--- a/scraping/Scraping the Right Way - Nov 2022.pptx
+++ b/scraping/Scraping the Right Way - Nov 2022.pptx
@@ -1269,68 +1269,6 @@
     </pc:docChg>
   </pc:docChgLst>
   <pc:docChgLst>
-    <pc:chgData name="John Patrick Johnson" userId="S::jpj8711@ads.northwestern.edu::fe18dc51-e5c5-41f0-a67f-64543119935e" providerId="AD" clId="Web-{B39E72B4-248C-DA47-FFB2-D95C5B1FAE88}"/>
-    <pc:docChg chg="modSld">
-      <pc:chgData name="John Patrick Johnson" userId="S::jpj8711@ads.northwestern.edu::fe18dc51-e5c5-41f0-a67f-64543119935e" providerId="AD" clId="Web-{B39E72B4-248C-DA47-FFB2-D95C5B1FAE88}" dt="2022-11-08T15:08:02.528" v="76" actId="20577"/>
-      <pc:docMkLst>
-        <pc:docMk/>
-      </pc:docMkLst>
-      <pc:sldChg chg="modSp">
-        <pc:chgData name="John Patrick Johnson" userId="S::jpj8711@ads.northwestern.edu::fe18dc51-e5c5-41f0-a67f-64543119935e" providerId="AD" clId="Web-{B39E72B4-248C-DA47-FFB2-D95C5B1FAE88}" dt="2022-11-08T15:08:02.528" v="76" actId="20577"/>
-        <pc:sldMkLst>
-          <pc:docMk/>
-          <pc:sldMk cId="1793084928" sldId="261"/>
-        </pc:sldMkLst>
-        <pc:spChg chg="mod">
-          <ac:chgData name="John Patrick Johnson" userId="S::jpj8711@ads.northwestern.edu::fe18dc51-e5c5-41f0-a67f-64543119935e" providerId="AD" clId="Web-{B39E72B4-248C-DA47-FFB2-D95C5B1FAE88}" dt="2022-11-08T15:08:02.528" v="76" actId="20577"/>
-          <ac:spMkLst>
-            <pc:docMk/>
-            <pc:sldMk cId="1793084928" sldId="261"/>
-            <ac:spMk id="57" creationId="{00000000-0000-0000-0000-000000000000}"/>
-          </ac:spMkLst>
-        </pc:spChg>
-      </pc:sldChg>
-      <pc:sldChg chg="modSp">
-        <pc:chgData name="John Patrick Johnson" userId="S::jpj8711@ads.northwestern.edu::fe18dc51-e5c5-41f0-a67f-64543119935e" providerId="AD" clId="Web-{B39E72B4-248C-DA47-FFB2-D95C5B1FAE88}" dt="2022-11-08T15:07:52.762" v="74" actId="20577"/>
-        <pc:sldMkLst>
-          <pc:docMk/>
-          <pc:sldMk cId="4110189626" sldId="298"/>
-        </pc:sldMkLst>
-        <pc:spChg chg="mod">
-          <ac:chgData name="John Patrick Johnson" userId="S::jpj8711@ads.northwestern.edu::fe18dc51-e5c5-41f0-a67f-64543119935e" providerId="AD" clId="Web-{B39E72B4-248C-DA47-FFB2-D95C5B1FAE88}" dt="2022-11-08T15:07:52.762" v="74" actId="20577"/>
-          <ac:spMkLst>
-            <pc:docMk/>
-            <pc:sldMk cId="4110189626" sldId="298"/>
-            <ac:spMk id="57" creationId="{00000000-0000-0000-0000-000000000000}"/>
-          </ac:spMkLst>
-        </pc:spChg>
-      </pc:sldChg>
-      <pc:sldChg chg="modSp">
-        <pc:chgData name="John Patrick Johnson" userId="S::jpj8711@ads.northwestern.edu::fe18dc51-e5c5-41f0-a67f-64543119935e" providerId="AD" clId="Web-{B39E72B4-248C-DA47-FFB2-D95C5B1FAE88}" dt="2022-11-07T22:57:33.190" v="72" actId="20577"/>
-        <pc:sldMkLst>
-          <pc:docMk/>
-          <pc:sldMk cId="1399483423" sldId="299"/>
-        </pc:sldMkLst>
-        <pc:spChg chg="mod">
-          <ac:chgData name="John Patrick Johnson" userId="S::jpj8711@ads.northwestern.edu::fe18dc51-e5c5-41f0-a67f-64543119935e" providerId="AD" clId="Web-{B39E72B4-248C-DA47-FFB2-D95C5B1FAE88}" dt="2022-11-07T22:57:33.190" v="72" actId="20577"/>
-          <ac:spMkLst>
-            <pc:docMk/>
-            <pc:sldMk cId="1399483423" sldId="299"/>
-            <ac:spMk id="3" creationId="{1E78EEA8-3833-27AD-17FB-39E083383B81}"/>
-          </ac:spMkLst>
-        </pc:spChg>
-        <pc:spChg chg="mod">
-          <ac:chgData name="John Patrick Johnson" userId="S::jpj8711@ads.northwestern.edu::fe18dc51-e5c5-41f0-a67f-64543119935e" providerId="AD" clId="Web-{B39E72B4-248C-DA47-FFB2-D95C5B1FAE88}" dt="2022-11-07T20:05:25.189" v="5" actId="20577"/>
-          <ac:spMkLst>
-            <pc:docMk/>
-            <pc:sldMk cId="1399483423" sldId="299"/>
-            <ac:spMk id="57" creationId="{00000000-0000-0000-0000-000000000000}"/>
-          </ac:spMkLst>
-        </pc:spChg>
-      </pc:sldChg>
-    </pc:docChg>
-  </pc:docChgLst>
-  <pc:docChgLst>
     <pc:chgData name="John Patrick Johnson" userId="S::jpj8711@ads.northwestern.edu::fe18dc51-e5c5-41f0-a67f-64543119935e" providerId="AD" clId="Web-{6B9806A0-D210-DC0C-24B1-14A2212751B8}"/>
     <pc:docChg chg="addSld delSld modSld sldOrd">
       <pc:chgData name="John Patrick Johnson" userId="S::jpj8711@ads.northwestern.edu::fe18dc51-e5c5-41f0-a67f-64543119935e" providerId="AD" clId="Web-{6B9806A0-D210-DC0C-24B1-14A2212751B8}" dt="2022-11-07T02:12:17.912" v="71"/>
@@ -1444,6 +1382,68 @@
           <ac:spMkLst>
             <pc:docMk/>
             <pc:sldMk cId="1612005501" sldId="296"/>
+            <ac:spMk id="57" creationId="{00000000-0000-0000-0000-000000000000}"/>
+          </ac:spMkLst>
+        </pc:spChg>
+      </pc:sldChg>
+    </pc:docChg>
+  </pc:docChgLst>
+  <pc:docChgLst>
+    <pc:chgData name="John Patrick Johnson" userId="S::jpj8711@ads.northwestern.edu::fe18dc51-e5c5-41f0-a67f-64543119935e" providerId="AD" clId="Web-{B39E72B4-248C-DA47-FFB2-D95C5B1FAE88}"/>
+    <pc:docChg chg="modSld">
+      <pc:chgData name="John Patrick Johnson" userId="S::jpj8711@ads.northwestern.edu::fe18dc51-e5c5-41f0-a67f-64543119935e" providerId="AD" clId="Web-{B39E72B4-248C-DA47-FFB2-D95C5B1FAE88}" dt="2022-11-08T15:08:02.528" v="76" actId="20577"/>
+      <pc:docMkLst>
+        <pc:docMk/>
+      </pc:docMkLst>
+      <pc:sldChg chg="modSp">
+        <pc:chgData name="John Patrick Johnson" userId="S::jpj8711@ads.northwestern.edu::fe18dc51-e5c5-41f0-a67f-64543119935e" providerId="AD" clId="Web-{B39E72B4-248C-DA47-FFB2-D95C5B1FAE88}" dt="2022-11-08T15:08:02.528" v="76" actId="20577"/>
+        <pc:sldMkLst>
+          <pc:docMk/>
+          <pc:sldMk cId="1793084928" sldId="261"/>
+        </pc:sldMkLst>
+        <pc:spChg chg="mod">
+          <ac:chgData name="John Patrick Johnson" userId="S::jpj8711@ads.northwestern.edu::fe18dc51-e5c5-41f0-a67f-64543119935e" providerId="AD" clId="Web-{B39E72B4-248C-DA47-FFB2-D95C5B1FAE88}" dt="2022-11-08T15:08:02.528" v="76" actId="20577"/>
+          <ac:spMkLst>
+            <pc:docMk/>
+            <pc:sldMk cId="1793084928" sldId="261"/>
+            <ac:spMk id="57" creationId="{00000000-0000-0000-0000-000000000000}"/>
+          </ac:spMkLst>
+        </pc:spChg>
+      </pc:sldChg>
+      <pc:sldChg chg="modSp">
+        <pc:chgData name="John Patrick Johnson" userId="S::jpj8711@ads.northwestern.edu::fe18dc51-e5c5-41f0-a67f-64543119935e" providerId="AD" clId="Web-{B39E72B4-248C-DA47-FFB2-D95C5B1FAE88}" dt="2022-11-08T15:07:52.762" v="74" actId="20577"/>
+        <pc:sldMkLst>
+          <pc:docMk/>
+          <pc:sldMk cId="4110189626" sldId="298"/>
+        </pc:sldMkLst>
+        <pc:spChg chg="mod">
+          <ac:chgData name="John Patrick Johnson" userId="S::jpj8711@ads.northwestern.edu::fe18dc51-e5c5-41f0-a67f-64543119935e" providerId="AD" clId="Web-{B39E72B4-248C-DA47-FFB2-D95C5B1FAE88}" dt="2022-11-08T15:07:52.762" v="74" actId="20577"/>
+          <ac:spMkLst>
+            <pc:docMk/>
+            <pc:sldMk cId="4110189626" sldId="298"/>
+            <ac:spMk id="57" creationId="{00000000-0000-0000-0000-000000000000}"/>
+          </ac:spMkLst>
+        </pc:spChg>
+      </pc:sldChg>
+      <pc:sldChg chg="modSp">
+        <pc:chgData name="John Patrick Johnson" userId="S::jpj8711@ads.northwestern.edu::fe18dc51-e5c5-41f0-a67f-64543119935e" providerId="AD" clId="Web-{B39E72B4-248C-DA47-FFB2-D95C5B1FAE88}" dt="2022-11-07T22:57:33.190" v="72" actId="20577"/>
+        <pc:sldMkLst>
+          <pc:docMk/>
+          <pc:sldMk cId="1399483423" sldId="299"/>
+        </pc:sldMkLst>
+        <pc:spChg chg="mod">
+          <ac:chgData name="John Patrick Johnson" userId="S::jpj8711@ads.northwestern.edu::fe18dc51-e5c5-41f0-a67f-64543119935e" providerId="AD" clId="Web-{B39E72B4-248C-DA47-FFB2-D95C5B1FAE88}" dt="2022-11-07T22:57:33.190" v="72" actId="20577"/>
+          <ac:spMkLst>
+            <pc:docMk/>
+            <pc:sldMk cId="1399483423" sldId="299"/>
+            <ac:spMk id="3" creationId="{1E78EEA8-3833-27AD-17FB-39E083383B81}"/>
+          </ac:spMkLst>
+        </pc:spChg>
+        <pc:spChg chg="mod">
+          <ac:chgData name="John Patrick Johnson" userId="S::jpj8711@ads.northwestern.edu::fe18dc51-e5c5-41f0-a67f-64543119935e" providerId="AD" clId="Web-{B39E72B4-248C-DA47-FFB2-D95C5B1FAE88}" dt="2022-11-07T20:05:25.189" v="5" actId="20577"/>
+          <ac:spMkLst>
+            <pc:docMk/>
+            <pc:sldMk cId="1399483423" sldId="299"/>
             <ac:spMk id="57" creationId="{00000000-0000-0000-0000-000000000000}"/>
           </ac:spMkLst>
         </pc:spChg>
@@ -18181,164 +18181,6 @@
           </a:p>
         </p:txBody>
       </p:sp>
-      <p:sp>
-        <p:nvSpPr>
-          <p:cNvPr id="2" name="TextBox 1"/>
-          <p:cNvSpPr txBox="1"/>
-          <p:nvPr/>
-        </p:nvSpPr>
-        <p:spPr>
-          <a:xfrm>
-            <a:off x="665322" y="1351508"/>
-            <a:ext cx="8229600" cy="4154984"/>
-          </a:xfrm>
-          <a:prstGeom prst="rect">
-            <a:avLst/>
-          </a:prstGeom>
-          <a:noFill/>
-        </p:spPr>
-        <p:txBody>
-          <a:bodyPr wrap="square" rtlCol="0">
-            <a:spAutoFit/>
-          </a:bodyPr>
-          <a:lstStyle/>
-          <a:p>
-            <a:r>
-              <a:rPr lang="en-US" sz="2400" dirty="0"/>
-              <a:t>Open a GNOME Terminal Session in </a:t>
-            </a:r>
-            <a:r>
-              <a:rPr lang="en-US" sz="2400" dirty="0" err="1"/>
-              <a:t>FastX</a:t>
-            </a:r>
-            <a:r>
-              <a:rPr lang="en-US" sz="2400" dirty="0"/>
-              <a:t> and type the </a:t>
-            </a:r>
-          </a:p>
-          <a:p>
-            <a:r>
-              <a:rPr lang="en-US" sz="2400" dirty="0"/>
-              <a:t>following:</a:t>
-            </a:r>
-          </a:p>
-          <a:p>
-            <a:endParaRPr lang="en-US" sz="2400" dirty="0"/>
-          </a:p>
-          <a:p>
-            <a:pPr marL="914400" lvl="2"/>
-            <a:r>
-              <a:rPr lang="en-US" sz="2400" dirty="0">
-                <a:latin typeface="Consolas" panose="020B0609020204030204" pitchFamily="49" charset="0"/>
-                <a:cs typeface="Consolas" panose="020B0609020204030204" pitchFamily="49" charset="0"/>
-              </a:rPr>
-              <a:t>module load python/anaconda3.6</a:t>
-            </a:r>
-          </a:p>
-          <a:p>
-            <a:pPr marL="914400" lvl="2"/>
-            <a:r>
-              <a:rPr lang="en-US" sz="2400" dirty="0">
-                <a:latin typeface="Consolas" panose="020B0609020204030204" pitchFamily="49" charset="0"/>
-                <a:cs typeface="Consolas" panose="020B0609020204030204" pitchFamily="49" charset="0"/>
-              </a:rPr>
-              <a:t>module load chrome/72</a:t>
-            </a:r>
-          </a:p>
-          <a:p>
-            <a:pPr marL="914400" lvl="2"/>
-            <a:r>
-              <a:rPr lang="en-US" sz="2400" dirty="0" err="1">
-                <a:latin typeface="Consolas" panose="020B0609020204030204" pitchFamily="49" charset="0"/>
-                <a:cs typeface="Consolas" panose="020B0609020204030204" pitchFamily="49" charset="0"/>
-              </a:rPr>
-              <a:t>conda</a:t>
-            </a:r>
-            <a:r>
-              <a:rPr lang="en-US" sz="2400" dirty="0">
-                <a:latin typeface="Consolas" panose="020B0609020204030204" pitchFamily="49" charset="0"/>
-                <a:cs typeface="Consolas" panose="020B0609020204030204" pitchFamily="49" charset="0"/>
-              </a:rPr>
-              <a:t> create -n </a:t>
-            </a:r>
-            <a:r>
-              <a:rPr lang="en-US" sz="2400" dirty="0" err="1">
-                <a:latin typeface="Consolas" panose="020B0609020204030204" pitchFamily="49" charset="0"/>
-                <a:cs typeface="Consolas" panose="020B0609020204030204" pitchFamily="49" charset="0"/>
-              </a:rPr>
-              <a:t>scraping_env</a:t>
-            </a:r>
-            <a:r>
-              <a:rPr lang="en-US" sz="2400" dirty="0">
-                <a:latin typeface="Consolas" panose="020B0609020204030204" pitchFamily="49" charset="0"/>
-                <a:cs typeface="Consolas" panose="020B0609020204030204" pitchFamily="49" charset="0"/>
-              </a:rPr>
-              <a:t> python=3.6 </a:t>
-            </a:r>
-          </a:p>
-          <a:p>
-            <a:pPr marL="914400" lvl="2"/>
-            <a:r>
-              <a:rPr lang="en-US" sz="2400" dirty="0">
-                <a:latin typeface="Consolas" panose="020B0609020204030204" pitchFamily="49" charset="0"/>
-                <a:cs typeface="Consolas" panose="020B0609020204030204" pitchFamily="49" charset="0"/>
-              </a:rPr>
-              <a:t>﻿source activate </a:t>
-            </a:r>
-            <a:r>
-              <a:rPr lang="en-US" sz="2400" dirty="0" err="1">
-                <a:latin typeface="Consolas" panose="020B0609020204030204" pitchFamily="49" charset="0"/>
-                <a:cs typeface="Consolas" panose="020B0609020204030204" pitchFamily="49" charset="0"/>
-              </a:rPr>
-              <a:t>scraping_env</a:t>
-            </a:r>
-            <a:endParaRPr lang="en-US" sz="2400" dirty="0">
-              <a:latin typeface="Consolas" panose="020B0609020204030204" pitchFamily="49" charset="0"/>
-              <a:cs typeface="Consolas" panose="020B0609020204030204" pitchFamily="49" charset="0"/>
-            </a:endParaRPr>
-          </a:p>
-          <a:p>
-            <a:pPr marL="914400" lvl="2"/>
-            <a:r>
-              <a:rPr lang="en-US" sz="2400" dirty="0" err="1">
-                <a:latin typeface="Consolas" panose="020B0609020204030204" pitchFamily="49" charset="0"/>
-                <a:cs typeface="Consolas" panose="020B0609020204030204" pitchFamily="49" charset="0"/>
-              </a:rPr>
-              <a:t>jupyter</a:t>
-            </a:r>
-            <a:r>
-              <a:rPr lang="en-US" sz="2400" dirty="0">
-                <a:latin typeface="Consolas" panose="020B0609020204030204" pitchFamily="49" charset="0"/>
-                <a:cs typeface="Consolas" panose="020B0609020204030204" pitchFamily="49" charset="0"/>
-              </a:rPr>
-              <a:t> notebook --browser=chrome</a:t>
-            </a:r>
-          </a:p>
-          <a:p>
-            <a:pPr lvl="2"/>
-            <a:endParaRPr lang="en-US" sz="2400" dirty="0">
-              <a:highlight>
-                <a:srgbClr val="C0C0C0"/>
-              </a:highlight>
-              <a:latin typeface="Consolas" panose="020B0609020204030204" pitchFamily="49" charset="0"/>
-              <a:cs typeface="Consolas" panose="020B0609020204030204" pitchFamily="49" charset="0"/>
-            </a:endParaRPr>
-          </a:p>
-          <a:p>
-            <a:pPr lvl="2"/>
-            <a:endParaRPr lang="en-US" sz="2400" dirty="0">
-              <a:highlight>
-                <a:srgbClr val="C0C0C0"/>
-              </a:highlight>
-              <a:latin typeface="Consolas" panose="020B0609020204030204" pitchFamily="49" charset="0"/>
-              <a:cs typeface="Consolas" panose="020B0609020204030204" pitchFamily="49" charset="0"/>
-            </a:endParaRPr>
-          </a:p>
-          <a:p>
-            <a:endParaRPr lang="en-US" sz="2400" dirty="0"/>
-          </a:p>
-        </p:txBody>
-      </p:sp>
       <p:pic>
         <p:nvPicPr>
           <p:cNvPr id="1025" name="Picture 1" descr="page4image30848128">
@@ -18388,60 +18230,309 @@
       </p:pic>
       <p:sp>
         <p:nvSpPr>
-          <p:cNvPr id="3" name="Rounded Rectangle 2">
+          <p:cNvPr id="4" name="TextBox 3">
             <a:extLst>
               <a:ext uri="{FF2B5EF4-FFF2-40B4-BE49-F238E27FC236}">
-                <a16:creationId xmlns:a16="http://schemas.microsoft.com/office/drawing/2014/main" id="{961C8368-C47C-D345-8B76-B61880C024B3}"/>
+                <a16:creationId xmlns:a16="http://schemas.microsoft.com/office/drawing/2014/main" id="{6E4C5BD8-87A7-BF14-5ECD-D1D726A63FD9}"/>
               </a:ext>
             </a:extLst>
           </p:cNvPr>
-          <p:cNvSpPr/>
+          <p:cNvSpPr txBox="1"/>
           <p:nvPr/>
         </p:nvSpPr>
         <p:spPr>
           <a:xfrm>
-            <a:off x="1469901" y="2226564"/>
-            <a:ext cx="7008777" cy="2404872"/>
+            <a:off x="186756" y="943167"/>
+            <a:ext cx="8957244" cy="6232475"/>
           </a:xfrm>
-          <a:prstGeom prst="roundRect">
+          <a:prstGeom prst="rect">
             <a:avLst/>
           </a:prstGeom>
-          <a:solidFill>
-            <a:schemeClr val="bg1">
-              <a:lumMod val="95000"/>
-              <a:alpha val="19000"/>
-            </a:schemeClr>
-          </a:solidFill>
-          <a:ln>
-            <a:solidFill>
-              <a:schemeClr val="bg1">
-                <a:lumMod val="75000"/>
-              </a:schemeClr>
-            </a:solidFill>
-          </a:ln>
+          <a:noFill/>
         </p:spPr>
-        <p:style>
-          <a:lnRef idx="2">
-            <a:schemeClr val="accent1">
-              <a:shade val="50000"/>
-            </a:schemeClr>
-          </a:lnRef>
-          <a:fillRef idx="1">
-            <a:schemeClr val="accent1"/>
-          </a:fillRef>
-          <a:effectRef idx="0">
-            <a:schemeClr val="accent1"/>
-          </a:effectRef>
-          <a:fontRef idx="minor">
-            <a:schemeClr val="lt1"/>
-          </a:fontRef>
-        </p:style>
         <p:txBody>
-          <a:bodyPr rtlCol="0" anchor="ctr"/>
+          <a:bodyPr wrap="square" rtlCol="0">
+            <a:spAutoFit/>
+          </a:bodyPr>
           <a:lstStyle/>
           <a:p>
-            <a:pPr algn="ctr"/>
+            <a:r>
+              <a:rPr lang="en-US" sz="2400" dirty="0"/>
+              <a:t>Open a GNOME Terminal Session in </a:t>
+            </a:r>
+            <a:r>
+              <a:rPr lang="en-US" sz="2400" dirty="0" err="1"/>
+              <a:t>FastX</a:t>
+            </a:r>
+            <a:r>
+              <a:rPr lang="en-US" sz="2400" dirty="0"/>
+              <a:t> </a:t>
+            </a:r>
+          </a:p>
+          <a:p>
+            <a:r>
+              <a:rPr lang="en-US" sz="2400" dirty="0"/>
+              <a:t>     (or </a:t>
+            </a:r>
+            <a:r>
+              <a:rPr lang="en-US" sz="2400" dirty="0" err="1"/>
+              <a:t>ssh</a:t>
+            </a:r>
+            <a:r>
+              <a:rPr lang="en-US" sz="2400" dirty="0"/>
+              <a:t> to KLC with graphics enabled.)</a:t>
+            </a:r>
+          </a:p>
+          <a:p>
+            <a:endParaRPr lang="en-US" sz="2400" dirty="0"/>
+          </a:p>
+          <a:p>
+            <a:r>
+              <a:rPr lang="en-US" sz="2400" dirty="0"/>
+              <a:t>To clone the </a:t>
+            </a:r>
+            <a:r>
+              <a:rPr lang="en-US" sz="2400" dirty="0" err="1"/>
+              <a:t>github</a:t>
+            </a:r>
+            <a:r>
+              <a:rPr lang="en-US" sz="2400" dirty="0"/>
+              <a:t> repo:</a:t>
+            </a:r>
+          </a:p>
+          <a:p>
+            <a:endParaRPr lang="en-US" sz="1500" dirty="0"/>
+          </a:p>
+          <a:p>
+            <a:r>
+              <a:rPr lang="en-US" sz="2000" dirty="0">
+                <a:latin typeface="Consolas" panose="020B0609020204030204" pitchFamily="49" charset="0"/>
+                <a:cs typeface="Consolas" panose="020B0609020204030204" pitchFamily="49" charset="0"/>
+              </a:rPr>
+              <a:t>git clone https://</a:t>
+            </a:r>
+            <a:r>
+              <a:rPr lang="en-US" sz="2000" dirty="0" err="1">
+                <a:latin typeface="Consolas" panose="020B0609020204030204" pitchFamily="49" charset="0"/>
+                <a:cs typeface="Consolas" panose="020B0609020204030204" pitchFamily="49" charset="0"/>
+              </a:rPr>
+              <a:t>github.com</a:t>
+            </a:r>
+            <a:r>
+              <a:rPr lang="en-US" sz="2000" dirty="0">
+                <a:latin typeface="Consolas" panose="020B0609020204030204" pitchFamily="49" charset="0"/>
+                <a:cs typeface="Consolas" panose="020B0609020204030204" pitchFamily="49" charset="0"/>
+              </a:rPr>
+              <a:t>/</a:t>
+            </a:r>
+            <a:r>
+              <a:rPr lang="en-US" sz="2000" dirty="0" err="1">
+                <a:latin typeface="Consolas" panose="020B0609020204030204" pitchFamily="49" charset="0"/>
+                <a:cs typeface="Consolas" panose="020B0609020204030204" pitchFamily="49" charset="0"/>
+              </a:rPr>
+              <a:t>rs-kellogg</a:t>
+            </a:r>
+            <a:r>
+              <a:rPr lang="en-US" sz="2000" dirty="0">
+                <a:latin typeface="Consolas" panose="020B0609020204030204" pitchFamily="49" charset="0"/>
+                <a:cs typeface="Consolas" panose="020B0609020204030204" pitchFamily="49" charset="0"/>
+              </a:rPr>
+              <a:t>/</a:t>
+            </a:r>
+            <a:r>
+              <a:rPr lang="en-US" sz="2000" dirty="0" err="1">
+                <a:latin typeface="Consolas" panose="020B0609020204030204" pitchFamily="49" charset="0"/>
+                <a:cs typeface="Consolas" panose="020B0609020204030204" pitchFamily="49" charset="0"/>
+              </a:rPr>
+              <a:t>Research_the_Right_Way</a:t>
+            </a:r>
+            <a:endParaRPr lang="en-US" sz="2000" dirty="0">
+              <a:latin typeface="Consolas" panose="020B0609020204030204" pitchFamily="49" charset="0"/>
+              <a:cs typeface="Consolas" panose="020B0609020204030204" pitchFamily="49" charset="0"/>
+            </a:endParaRPr>
+          </a:p>
+          <a:p>
             <a:endParaRPr lang="en-US" dirty="0"/>
+          </a:p>
+          <a:p>
+            <a:r>
+              <a:rPr lang="en-US" sz="2400" dirty="0"/>
+              <a:t>To access the code and run the notebook:</a:t>
+            </a:r>
+          </a:p>
+          <a:p>
+            <a:endParaRPr lang="en-US" dirty="0"/>
+          </a:p>
+          <a:p>
+            <a:pPr marL="914400" lvl="2"/>
+            <a:r>
+              <a:rPr lang="en-US" sz="2400" dirty="0">
+                <a:latin typeface="Consolas" panose="020B0609020204030204" pitchFamily="49" charset="0"/>
+                <a:cs typeface="Consolas" panose="020B0609020204030204" pitchFamily="49" charset="0"/>
+              </a:rPr>
+              <a:t>cd ~/</a:t>
+            </a:r>
+            <a:r>
+              <a:rPr lang="en-US" sz="2400" dirty="0" err="1">
+                <a:latin typeface="Consolas" panose="020B0609020204030204" pitchFamily="49" charset="0"/>
+                <a:cs typeface="Consolas" panose="020B0609020204030204" pitchFamily="49" charset="0"/>
+              </a:rPr>
+              <a:t>Research_the_Right_Way</a:t>
+            </a:r>
+            <a:r>
+              <a:rPr lang="en-US" sz="2400" dirty="0">
+                <a:latin typeface="Consolas" panose="020B0609020204030204" pitchFamily="49" charset="0"/>
+                <a:cs typeface="Consolas" panose="020B0609020204030204" pitchFamily="49" charset="0"/>
+              </a:rPr>
+              <a:t>/scraping</a:t>
+            </a:r>
+          </a:p>
+          <a:p>
+            <a:pPr marL="914400" lvl="2"/>
+            <a:r>
+              <a:rPr lang="en-US" sz="2400" dirty="0">
+                <a:latin typeface="Consolas" panose="020B0609020204030204" pitchFamily="49" charset="0"/>
+                <a:cs typeface="Consolas" panose="020B0609020204030204" pitchFamily="49" charset="0"/>
+              </a:rPr>
+              <a:t>module load python/anaconda3.6</a:t>
+            </a:r>
+          </a:p>
+          <a:p>
+            <a:pPr marL="914400" lvl="2"/>
+            <a:r>
+              <a:rPr lang="en-US" sz="2400" dirty="0">
+                <a:latin typeface="Consolas" panose="020B0609020204030204" pitchFamily="49" charset="0"/>
+                <a:cs typeface="Consolas" panose="020B0609020204030204" pitchFamily="49" charset="0"/>
+              </a:rPr>
+              <a:t>module load chrome/72</a:t>
+            </a:r>
+          </a:p>
+          <a:p>
+            <a:pPr marL="914400" lvl="2"/>
+            <a:r>
+              <a:rPr lang="en-US" sz="2400" dirty="0" err="1">
+                <a:solidFill>
+                  <a:schemeClr val="bg1">
+                    <a:lumMod val="65000"/>
+                  </a:schemeClr>
+                </a:solidFill>
+                <a:latin typeface="Consolas" panose="020B0609020204030204" pitchFamily="49" charset="0"/>
+                <a:cs typeface="Consolas" panose="020B0609020204030204" pitchFamily="49" charset="0"/>
+              </a:rPr>
+              <a:t>conda</a:t>
+            </a:r>
+            <a:r>
+              <a:rPr lang="en-US" sz="2400" dirty="0">
+                <a:solidFill>
+                  <a:schemeClr val="bg1">
+                    <a:lumMod val="65000"/>
+                  </a:schemeClr>
+                </a:solidFill>
+                <a:latin typeface="Consolas" panose="020B0609020204030204" pitchFamily="49" charset="0"/>
+                <a:cs typeface="Consolas" panose="020B0609020204030204" pitchFamily="49" charset="0"/>
+              </a:rPr>
+              <a:t> create -n </a:t>
+            </a:r>
+            <a:r>
+              <a:rPr lang="en-US" sz="2400" dirty="0" err="1">
+                <a:solidFill>
+                  <a:schemeClr val="bg1">
+                    <a:lumMod val="65000"/>
+                  </a:schemeClr>
+                </a:solidFill>
+                <a:latin typeface="Consolas" panose="020B0609020204030204" pitchFamily="49" charset="0"/>
+                <a:cs typeface="Consolas" panose="020B0609020204030204" pitchFamily="49" charset="0"/>
+              </a:rPr>
+              <a:t>scraping_env</a:t>
+            </a:r>
+            <a:r>
+              <a:rPr lang="en-US" sz="2400" dirty="0">
+                <a:solidFill>
+                  <a:schemeClr val="bg1">
+                    <a:lumMod val="65000"/>
+                  </a:schemeClr>
+                </a:solidFill>
+                <a:latin typeface="Consolas" panose="020B0609020204030204" pitchFamily="49" charset="0"/>
+                <a:cs typeface="Consolas" panose="020B0609020204030204" pitchFamily="49" charset="0"/>
+              </a:rPr>
+              <a:t> python=3.6 </a:t>
+            </a:r>
+          </a:p>
+          <a:p>
+            <a:pPr marL="914400" lvl="2"/>
+            <a:r>
+              <a:rPr lang="en-US" sz="2400" dirty="0">
+                <a:solidFill>
+                  <a:schemeClr val="bg1">
+                    <a:lumMod val="65000"/>
+                  </a:schemeClr>
+                </a:solidFill>
+                <a:latin typeface="Consolas" panose="020B0609020204030204" pitchFamily="49" charset="0"/>
+                <a:cs typeface="Consolas" panose="020B0609020204030204" pitchFamily="49" charset="0"/>
+              </a:rPr>
+              <a:t>﻿source activate </a:t>
+            </a:r>
+            <a:r>
+              <a:rPr lang="en-US" sz="2400" dirty="0" err="1">
+                <a:solidFill>
+                  <a:schemeClr val="bg1">
+                    <a:lumMod val="65000"/>
+                  </a:schemeClr>
+                </a:solidFill>
+                <a:latin typeface="Consolas" panose="020B0609020204030204" pitchFamily="49" charset="0"/>
+                <a:cs typeface="Consolas" panose="020B0609020204030204" pitchFamily="49" charset="0"/>
+              </a:rPr>
+              <a:t>scraping_env</a:t>
+            </a:r>
+            <a:endParaRPr lang="en-US" sz="2400" dirty="0">
+              <a:solidFill>
+                <a:schemeClr val="bg1">
+                  <a:lumMod val="65000"/>
+                </a:schemeClr>
+              </a:solidFill>
+              <a:latin typeface="Consolas" panose="020B0609020204030204" pitchFamily="49" charset="0"/>
+              <a:cs typeface="Consolas" panose="020B0609020204030204" pitchFamily="49" charset="0"/>
+            </a:endParaRPr>
+          </a:p>
+          <a:p>
+            <a:pPr marL="914400" lvl="2"/>
+            <a:r>
+              <a:rPr lang="en-US" sz="2400" dirty="0" err="1">
+                <a:latin typeface="Consolas" panose="020B0609020204030204" pitchFamily="49" charset="0"/>
+                <a:cs typeface="Consolas" panose="020B0609020204030204" pitchFamily="49" charset="0"/>
+              </a:rPr>
+              <a:t>jupyter</a:t>
+            </a:r>
+            <a:r>
+              <a:rPr lang="en-US" sz="2400" dirty="0">
+                <a:latin typeface="Consolas" panose="020B0609020204030204" pitchFamily="49" charset="0"/>
+                <a:cs typeface="Consolas" panose="020B0609020204030204" pitchFamily="49" charset="0"/>
+              </a:rPr>
+              <a:t> notebook --browser=chrome</a:t>
+            </a:r>
+          </a:p>
+          <a:p>
+            <a:pPr lvl="2"/>
+            <a:endParaRPr lang="en-US" sz="2400" dirty="0">
+              <a:highlight>
+                <a:srgbClr val="C0C0C0"/>
+              </a:highlight>
+              <a:latin typeface="Consolas" panose="020B0609020204030204" pitchFamily="49" charset="0"/>
+              <a:cs typeface="Consolas" panose="020B0609020204030204" pitchFamily="49" charset="0"/>
+            </a:endParaRPr>
+          </a:p>
+          <a:p>
+            <a:pPr lvl="2"/>
+            <a:endParaRPr lang="en-US" sz="2400" dirty="0">
+              <a:highlight>
+                <a:srgbClr val="C0C0C0"/>
+              </a:highlight>
+              <a:latin typeface="Consolas" panose="020B0609020204030204" pitchFamily="49" charset="0"/>
+              <a:cs typeface="Consolas" panose="020B0609020204030204" pitchFamily="49" charset="0"/>
+            </a:endParaRPr>
+          </a:p>
+          <a:p>
+            <a:endParaRPr lang="en-US" sz="2400" dirty="0"/>
           </a:p>
         </p:txBody>
       </p:sp>
